--- a/Презентации/6 Урок.Блочная вёрстка.pptx
+++ b/Презентации/6 Урок.Блочная вёрстка.pptx
@@ -849,7 +849,7 @@
         </p:nvSpPr>
         <p:spPr>
           <a:xfrm>
-            <a:off x="381300" y="685800"/>
+            <a:off x="381000" y="685800"/>
             <a:ext cx="6096000" cy="3429000"/>
           </a:xfrm>
           <a:custGeom>
@@ -7304,6 +7304,71 @@
           </a:ln>
         </p:spPr>
       </p:pic>
+      <p:sp>
+        <p:nvSpPr>
+          <p:cNvPr id="4" name="TextBox 3">
+            <a:extLst>
+              <a:ext uri="{FF2B5EF4-FFF2-40B4-BE49-F238E27FC236}">
+                <a16:creationId xmlns:a16="http://schemas.microsoft.com/office/drawing/2014/main" id="{23239EE9-8E1A-4DEE-BE4C-1CCD9BB0D976}"/>
+              </a:ext>
+            </a:extLst>
+          </p:cNvPr>
+          <p:cNvSpPr txBox="1"/>
+          <p:nvPr/>
+        </p:nvSpPr>
+        <p:spPr>
+          <a:xfrm>
+            <a:off x="5461591" y="535831"/>
+            <a:ext cx="4572000" cy="523220"/>
+          </a:xfrm>
+          <a:prstGeom prst="rect">
+            <a:avLst/>
+          </a:prstGeom>
+          <a:noFill/>
+        </p:spPr>
+        <p:txBody>
+          <a:bodyPr wrap="square">
+            <a:spAutoFit/>
+          </a:bodyPr>
+          <a:lstStyle/>
+          <a:p>
+            <a:r>
+              <a:rPr lang="ru-RU" dirty="0" err="1"/>
+              <a:t>display</a:t>
+            </a:r>
+            <a:r>
+              <a:rPr lang="ru-RU" dirty="0"/>
+              <a:t>: </a:t>
+            </a:r>
+            <a:r>
+              <a:rPr lang="ru-RU" dirty="0" err="1"/>
+              <a:t>flex</a:t>
+            </a:r>
+            <a:r>
+              <a:rPr lang="ru-RU" dirty="0"/>
+              <a:t>;</a:t>
+            </a:r>
+          </a:p>
+          <a:p>
+            <a:r>
+              <a:rPr lang="ru-RU" dirty="0" err="1"/>
+              <a:t>flex-direction</a:t>
+            </a:r>
+            <a:r>
+              <a:rPr lang="ru-RU" dirty="0"/>
+              <a:t>: </a:t>
+            </a:r>
+            <a:r>
+              <a:rPr lang="ru-RU" dirty="0" err="1"/>
+              <a:t>column</a:t>
+            </a:r>
+            <a:r>
+              <a:rPr lang="ru-RU" dirty="0"/>
+              <a:t>;</a:t>
+            </a:r>
+          </a:p>
+        </p:txBody>
+      </p:sp>
     </p:spTree>
   </p:cSld>
   <p:clrMapOvr>
